--- a/GRANDE É O SENHOR.pptx
+++ b/GRANDE É O SENHOR.pptx
@@ -228,7 +228,7 @@
           <a:p>
             <a:fld id="{A86409B0-8AC5-4972-B928-B810ED7C4C64}" type="datetimeFigureOut">
               <a:rPr lang="pt-BR" smtClean="0"/>
-              <a:t>16/08/2019</a:t>
+              <a:t>06/09/2023</a:t>
             </a:fld>
             <a:endParaRPr lang="pt-BR" dirty="0"/>
           </a:p>
@@ -393,7 +393,7 @@
           <a:p>
             <a:fld id="{39C9F228-FD28-4486-B12E-CC8CCDA7B98E}" type="datetimeFigureOut">
               <a:rPr lang="pt-BR" noProof="0" smtClean="0"/>
-              <a:t>16/08/2019</a:t>
+              <a:t>06/09/2023</a:t>
             </a:fld>
             <a:endParaRPr lang="pt-BR" noProof="0" dirty="0"/>
           </a:p>
@@ -1033,7 +1033,7 @@
           <a:p>
             <a:fld id="{F077BB9F-04DD-4BEC-B746-E3998C50229B}" type="datetime1">
               <a:rPr lang="pt-BR" noProof="0" smtClean="0"/>
-              <a:t>16/08/2019</a:t>
+              <a:t>06/09/2023</a:t>
             </a:fld>
             <a:endParaRPr lang="pt-BR" noProof="0" dirty="0"/>
           </a:p>
@@ -1270,7 +1270,7 @@
           <a:p>
             <a:fld id="{5B784123-CFCC-4353-8B30-DE0CCE4E62CF}" type="datetime1">
               <a:rPr lang="pt-BR" noProof="0" smtClean="0"/>
-              <a:t>16/08/2019</a:t>
+              <a:t>06/09/2023</a:t>
             </a:fld>
             <a:endParaRPr lang="pt-BR" noProof="0" dirty="0"/>
           </a:p>
@@ -1440,7 +1440,7 @@
           <a:p>
             <a:fld id="{061C3574-5682-4D4A-B7D7-D09D32527D76}" type="datetime1">
               <a:rPr lang="pt-BR" noProof="0" smtClean="0"/>
-              <a:t>16/08/2019</a:t>
+              <a:t>06/09/2023</a:t>
             </a:fld>
             <a:endParaRPr lang="pt-BR" noProof="0" dirty="0"/>
           </a:p>
@@ -2643,7 +2643,7 @@
           <a:p>
             <a:fld id="{3EF55E9A-42F9-486F-9660-92EBA8EB8FE1}" type="datetime1">
               <a:rPr lang="pt-BR" noProof="0" smtClean="0"/>
-              <a:t>16/08/2019</a:t>
+              <a:t>06/09/2023</a:t>
             </a:fld>
             <a:endParaRPr lang="pt-BR" noProof="0" dirty="0"/>
           </a:p>
@@ -3005,7 +3005,7 @@
           <a:p>
             <a:fld id="{B7532E85-1C3E-47BF-9080-3288461E28F3}" type="datetime1">
               <a:rPr lang="pt-BR" noProof="0" smtClean="0"/>
-              <a:t>16/08/2019</a:t>
+              <a:t>06/09/2023</a:t>
             </a:fld>
             <a:endParaRPr lang="pt-BR" noProof="0" dirty="0"/>
           </a:p>
@@ -3123,7 +3123,7 @@
           <a:p>
             <a:fld id="{A61D36C9-2413-4908-B4FF-B601868ED00B}" type="datetime1">
               <a:rPr lang="pt-BR" noProof="0" smtClean="0"/>
-              <a:t>16/08/2019</a:t>
+              <a:t>06/09/2023</a:t>
             </a:fld>
             <a:endParaRPr lang="pt-BR" noProof="0" dirty="0"/>
           </a:p>
@@ -3877,7 +3877,7 @@
           <a:p>
             <a:fld id="{D1A10925-201A-4743-8853-90813EDB94FD}" type="datetime1">
               <a:rPr lang="pt-BR" noProof="0" smtClean="0"/>
-              <a:t>16/08/2019</a:t>
+              <a:t>06/09/2023</a:t>
             </a:fld>
             <a:endParaRPr lang="pt-BR" noProof="0" dirty="0"/>
           </a:p>
@@ -4153,7 +4153,7 @@
           <a:p>
             <a:fld id="{8029BC20-88B9-463E-BD09-C473B6CD8F2E}" type="datetime1">
               <a:rPr lang="pt-BR" noProof="0" smtClean="0"/>
-              <a:t>16/08/2019</a:t>
+              <a:t>06/09/2023</a:t>
             </a:fld>
             <a:endParaRPr lang="pt-BR" noProof="0" dirty="0"/>
           </a:p>
@@ -5267,7 +5267,7 @@
           <a:p>
             <a:fld id="{FDB05499-8E1A-487C-B00A-20F31C550463}" type="datetime1">
               <a:rPr lang="pt-BR" noProof="0" smtClean="0"/>
-              <a:t>16/08/2019</a:t>
+              <a:t>06/09/2023</a:t>
             </a:fld>
             <a:endParaRPr lang="pt-BR" noProof="0" dirty="0"/>
           </a:p>
@@ -5747,8 +5747,8 @@
         </p:nvSpPr>
         <p:spPr>
           <a:xfrm>
-            <a:off x="1437957" y="540619"/>
-            <a:ext cx="10371970" cy="2888381"/>
+            <a:off x="1526857" y="553319"/>
+            <a:ext cx="10398443" cy="2888381"/>
           </a:xfrm>
         </p:spPr>
         <p:txBody>
@@ -5785,24 +5785,24 @@
               </a:rPr>
             </a:br>
             <a:r>
-              <a:rPr lang="pt-BR" sz="3600" dirty="0">
-                <a:solidFill>
-                  <a:schemeClr val="bg1"/>
-                </a:solidFill>
-                <a:latin typeface="Arial Black" panose="020B0A04020102020204" pitchFamily="34" charset="0"/>
-                <a:hlinkClick r:id="rId4">
-                  <a:extLst>
-                    <a:ext uri="{A12FA001-AC4F-418D-AE19-62706E023703}">
-                      <ahyp:hlinkClr xmlns:ahyp="http://schemas.microsoft.com/office/drawing/2018/hyperlinkcolor" val="tx"/>
-                    </a:ext>
-                  </a:extLst>
-                </a:hlinkClick>
+              <a:rPr lang="pt-BR" sz="4800" dirty="0">
+                <a:solidFill>
+                  <a:schemeClr val="bg1">
+                    <a:lumMod val="85000"/>
+                    <a:lumOff val="15000"/>
+                  </a:schemeClr>
+                </a:solidFill>
+                <a:latin typeface="Arial Black" panose="020B0A04020102020204" pitchFamily="34" charset="0"/>
               </a:rPr>
               <a:t>ADHEMAR DE CAMPOS</a:t>
             </a:r>
             <a:br>
-              <a:rPr lang="pt-BR" dirty="0"/>
+              <a:rPr lang="pt-BR" sz="4800" dirty="0"/>
             </a:br>
+            <a:r>
+              <a:rPr lang="pt-BR" sz="4800" dirty="0"/>
+              <a:t>AAAAAAAKFFVF</a:t>
+            </a:r>
             <a:endParaRPr lang="pt-BR" sz="4800" b="1" i="0" u="sng" dirty="0">
               <a:solidFill>
                 <a:schemeClr val="bg1"/>
@@ -5916,7 +5916,7 @@
                 </a:solidFill>
                 <a:latin typeface="Arial Black" panose="020B0A04020102020204" pitchFamily="34" charset="0"/>
               </a:rPr>
-              <a:t>EM QUEM NÓS TEMOS A VITÓRIA</a:t>
+              <a:t>EM QUEM TEMOS A VITÓRIA</a:t>
             </a:r>
             <a:br>
               <a:rPr lang="pt-BR" sz="48700" dirty="0">
@@ -6769,8 +6769,8 @@
         </p:nvSpPr>
         <p:spPr>
           <a:xfrm>
-            <a:off x="1" y="528034"/>
-            <a:ext cx="12192000" cy="6001643"/>
+            <a:off x="287383" y="240651"/>
+            <a:ext cx="11403876" cy="6001643"/>
           </a:xfrm>
           <a:prstGeom prst="rect">
             <a:avLst/>
@@ -6790,7 +6790,19 @@
                 </a:solidFill>
                 <a:latin typeface="Arial Black" panose="020B0A04020102020204" pitchFamily="34" charset="0"/>
               </a:rPr>
-              <a:t>GRANDE É O SENHOR</a:t>
+              <a:t>GRANDE </a:t>
+            </a:r>
+          </a:p>
+          <a:p>
+            <a:pPr algn="ctr"/>
+            <a:r>
+              <a:rPr lang="pt-BR" sz="9600" dirty="0">
+                <a:solidFill>
+                  <a:schemeClr val="bg1"/>
+                </a:solidFill>
+                <a:latin typeface="Arial Black" panose="020B0A04020102020204" pitchFamily="34" charset="0"/>
+              </a:rPr>
+              <a:t>É O SENHOR</a:t>
             </a:r>
             <a:br>
               <a:rPr lang="pt-BR" sz="9600" dirty="0">
@@ -7006,8 +7018,8 @@
         </p:nvSpPr>
         <p:spPr>
           <a:xfrm>
-            <a:off x="0" y="218189"/>
-            <a:ext cx="12192000" cy="5803435"/>
+            <a:off x="0" y="223269"/>
+            <a:ext cx="12192000" cy="5999731"/>
           </a:xfrm>
         </p:spPr>
         <p:txBody>
@@ -7053,7 +7065,7 @@
                 </a:solidFill>
                 <a:latin typeface="Arial Black" panose="020B0A04020102020204" pitchFamily="34" charset="0"/>
               </a:rPr>
-              <a:t>EM QUEM NÓS TEMOS A VITÓRIA</a:t>
+              <a:t>EM QUEM TEMOS A VITÓRIA</a:t>
             </a:r>
             <a:br>
               <a:rPr lang="pt-BR" sz="48700" dirty="0">
@@ -7155,8 +7167,8 @@
         </p:nvSpPr>
         <p:spPr>
           <a:xfrm>
-            <a:off x="0" y="1609859"/>
-            <a:ext cx="12192000" cy="4360249"/>
+            <a:off x="381000" y="-228600"/>
+            <a:ext cx="11620500" cy="6451599"/>
           </a:xfrm>
         </p:spPr>
         <p:txBody>
@@ -7171,7 +7183,7 @@
               </a:spcBef>
             </a:pPr>
             <a:r>
-              <a:rPr lang="pt-BR" sz="8800" b="0" dirty="0">
+              <a:rPr lang="pt-BR" sz="9600" b="0" dirty="0">
                 <a:solidFill>
                   <a:schemeClr val="bg1"/>
                 </a:solidFill>
@@ -7180,7 +7192,7 @@
               <a:t>POR ISSO </a:t>
             </a:r>
             <a:br>
-              <a:rPr lang="pt-BR" sz="8800" b="0" dirty="0">
+              <a:rPr lang="pt-BR" sz="9600" b="0" dirty="0">
                 <a:solidFill>
                   <a:schemeClr val="bg1"/>
                 </a:solidFill>
@@ -7188,7 +7200,7 @@
               </a:rPr>
             </a:br>
             <a:r>
-              <a:rPr lang="pt-BR" sz="8800" b="0" dirty="0">
+              <a:rPr lang="pt-BR" sz="9600" b="0" dirty="0">
                 <a:solidFill>
                   <a:schemeClr val="bg1"/>
                 </a:solidFill>
@@ -7197,7 +7209,7 @@
               <a:t>DIANTE DELE</a:t>
             </a:r>
             <a:br>
-              <a:rPr lang="pt-BR" sz="70100" dirty="0">
+              <a:rPr lang="pt-BR" sz="84100" dirty="0">
                 <a:solidFill>
                   <a:schemeClr val="bg1"/>
                 </a:solidFill>
@@ -7205,7 +7217,7 @@
               </a:rPr>
             </a:br>
             <a:r>
-              <a:rPr lang="pt-BR" sz="8800" b="0" dirty="0">
+              <a:rPr lang="pt-BR" sz="9600" b="0" dirty="0">
                 <a:solidFill>
                   <a:schemeClr val="bg1"/>
                 </a:solidFill>
@@ -7214,7 +7226,7 @@
               <a:t>NOS </a:t>
             </a:r>
             <a:br>
-              <a:rPr lang="pt-BR" sz="8800" b="0" dirty="0">
+              <a:rPr lang="pt-BR" sz="9600" b="0" dirty="0">
                 <a:solidFill>
                   <a:schemeClr val="bg1"/>
                 </a:solidFill>
@@ -7222,7 +7234,7 @@
               </a:rPr>
             </a:br>
             <a:r>
-              <a:rPr lang="pt-BR" sz="8800" b="0" dirty="0">
+              <a:rPr lang="pt-BR" sz="9600" b="0" dirty="0">
                 <a:solidFill>
                   <a:schemeClr val="bg1"/>
                 </a:solidFill>
@@ -7602,7 +7614,7 @@
         </p:nvSpPr>
         <p:spPr>
           <a:xfrm>
-            <a:off x="1" y="528034"/>
+            <a:off x="-228599" y="388334"/>
             <a:ext cx="12192000" cy="6001643"/>
           </a:xfrm>
           <a:prstGeom prst="rect">
@@ -7615,7 +7627,7 @@
           </a:bodyPr>
           <a:lstStyle/>
           <a:p>
-            <a:pPr algn="ctr"/>
+            <a:pPr lvl="1" algn="ctr"/>
             <a:r>
               <a:rPr lang="pt-BR" sz="9600" dirty="0">
                 <a:solidFill>
@@ -7623,7 +7635,19 @@
                 </a:solidFill>
                 <a:latin typeface="Arial Black" panose="020B0A04020102020204" pitchFamily="34" charset="0"/>
               </a:rPr>
-              <a:t>GRANDE É O SENHOR</a:t>
+              <a:t>GRANDE </a:t>
+            </a:r>
+          </a:p>
+          <a:p>
+            <a:pPr lvl="1" algn="ctr"/>
+            <a:r>
+              <a:rPr lang="pt-BR" sz="9600" dirty="0">
+                <a:solidFill>
+                  <a:schemeClr val="bg1"/>
+                </a:solidFill>
+                <a:latin typeface="Arial Black" panose="020B0A04020102020204" pitchFamily="34" charset="0"/>
+              </a:rPr>
+              <a:t>É O SENHOR</a:t>
             </a:r>
             <a:br>
               <a:rPr lang="pt-BR" sz="9600" dirty="0">

--- a/GRANDE É O SENHOR.pptx
+++ b/GRANDE É O SENHOR.pptx
@@ -228,7 +228,7 @@
           <a:p>
             <a:fld id="{A86409B0-8AC5-4972-B928-B810ED7C4C64}" type="datetimeFigureOut">
               <a:rPr lang="pt-BR" smtClean="0"/>
-              <a:t>06/09/2023</a:t>
+              <a:t>16/08/2019</a:t>
             </a:fld>
             <a:endParaRPr lang="pt-BR" dirty="0"/>
           </a:p>
@@ -393,7 +393,7 @@
           <a:p>
             <a:fld id="{39C9F228-FD28-4486-B12E-CC8CCDA7B98E}" type="datetimeFigureOut">
               <a:rPr lang="pt-BR" noProof="0" smtClean="0"/>
-              <a:t>06/09/2023</a:t>
+              <a:t>16/08/2019</a:t>
             </a:fld>
             <a:endParaRPr lang="pt-BR" noProof="0" dirty="0"/>
           </a:p>
@@ -1033,7 +1033,7 @@
           <a:p>
             <a:fld id="{F077BB9F-04DD-4BEC-B746-E3998C50229B}" type="datetime1">
               <a:rPr lang="pt-BR" noProof="0" smtClean="0"/>
-              <a:t>06/09/2023</a:t>
+              <a:t>16/08/2019</a:t>
             </a:fld>
             <a:endParaRPr lang="pt-BR" noProof="0" dirty="0"/>
           </a:p>
@@ -1270,7 +1270,7 @@
           <a:p>
             <a:fld id="{5B784123-CFCC-4353-8B30-DE0CCE4E62CF}" type="datetime1">
               <a:rPr lang="pt-BR" noProof="0" smtClean="0"/>
-              <a:t>06/09/2023</a:t>
+              <a:t>16/08/2019</a:t>
             </a:fld>
             <a:endParaRPr lang="pt-BR" noProof="0" dirty="0"/>
           </a:p>
@@ -1440,7 +1440,7 @@
           <a:p>
             <a:fld id="{061C3574-5682-4D4A-B7D7-D09D32527D76}" type="datetime1">
               <a:rPr lang="pt-BR" noProof="0" smtClean="0"/>
-              <a:t>06/09/2023</a:t>
+              <a:t>16/08/2019</a:t>
             </a:fld>
             <a:endParaRPr lang="pt-BR" noProof="0" dirty="0"/>
           </a:p>
@@ -2643,7 +2643,7 @@
           <a:p>
             <a:fld id="{3EF55E9A-42F9-486F-9660-92EBA8EB8FE1}" type="datetime1">
               <a:rPr lang="pt-BR" noProof="0" smtClean="0"/>
-              <a:t>06/09/2023</a:t>
+              <a:t>16/08/2019</a:t>
             </a:fld>
             <a:endParaRPr lang="pt-BR" noProof="0" dirty="0"/>
           </a:p>
@@ -3005,7 +3005,7 @@
           <a:p>
             <a:fld id="{B7532E85-1C3E-47BF-9080-3288461E28F3}" type="datetime1">
               <a:rPr lang="pt-BR" noProof="0" smtClean="0"/>
-              <a:t>06/09/2023</a:t>
+              <a:t>16/08/2019</a:t>
             </a:fld>
             <a:endParaRPr lang="pt-BR" noProof="0" dirty="0"/>
           </a:p>
@@ -3123,7 +3123,7 @@
           <a:p>
             <a:fld id="{A61D36C9-2413-4908-B4FF-B601868ED00B}" type="datetime1">
               <a:rPr lang="pt-BR" noProof="0" smtClean="0"/>
-              <a:t>06/09/2023</a:t>
+              <a:t>16/08/2019</a:t>
             </a:fld>
             <a:endParaRPr lang="pt-BR" noProof="0" dirty="0"/>
           </a:p>
@@ -3877,7 +3877,7 @@
           <a:p>
             <a:fld id="{D1A10925-201A-4743-8853-90813EDB94FD}" type="datetime1">
               <a:rPr lang="pt-BR" noProof="0" smtClean="0"/>
-              <a:t>06/09/2023</a:t>
+              <a:t>16/08/2019</a:t>
             </a:fld>
             <a:endParaRPr lang="pt-BR" noProof="0" dirty="0"/>
           </a:p>
@@ -4153,7 +4153,7 @@
           <a:p>
             <a:fld id="{8029BC20-88B9-463E-BD09-C473B6CD8F2E}" type="datetime1">
               <a:rPr lang="pt-BR" noProof="0" smtClean="0"/>
-              <a:t>06/09/2023</a:t>
+              <a:t>16/08/2019</a:t>
             </a:fld>
             <a:endParaRPr lang="pt-BR" noProof="0" dirty="0"/>
           </a:p>
@@ -5267,7 +5267,7 @@
           <a:p>
             <a:fld id="{FDB05499-8E1A-487C-B00A-20F31C550463}" type="datetime1">
               <a:rPr lang="pt-BR" noProof="0" smtClean="0"/>
-              <a:t>06/09/2023</a:t>
+              <a:t>16/08/2019</a:t>
             </a:fld>
             <a:endParaRPr lang="pt-BR" noProof="0" dirty="0"/>
           </a:p>
@@ -5747,8 +5747,8 @@
         </p:nvSpPr>
         <p:spPr>
           <a:xfrm>
-            <a:off x="1526857" y="553319"/>
-            <a:ext cx="10398443" cy="2888381"/>
+            <a:off x="1437957" y="540619"/>
+            <a:ext cx="10371970" cy="2888381"/>
           </a:xfrm>
         </p:spPr>
         <p:txBody>
@@ -5785,24 +5785,24 @@
               </a:rPr>
             </a:br>
             <a:r>
-              <a:rPr lang="pt-BR" sz="4800" dirty="0">
-                <a:solidFill>
-                  <a:schemeClr val="bg1">
-                    <a:lumMod val="85000"/>
-                    <a:lumOff val="15000"/>
-                  </a:schemeClr>
-                </a:solidFill>
-                <a:latin typeface="Arial Black" panose="020B0A04020102020204" pitchFamily="34" charset="0"/>
+              <a:rPr lang="pt-BR" sz="3600" dirty="0">
+                <a:solidFill>
+                  <a:schemeClr val="bg1"/>
+                </a:solidFill>
+                <a:latin typeface="Arial Black" panose="020B0A04020102020204" pitchFamily="34" charset="0"/>
+                <a:hlinkClick r:id="rId4">
+                  <a:extLst>
+                    <a:ext uri="{A12FA001-AC4F-418D-AE19-62706E023703}">
+                      <ahyp:hlinkClr xmlns:ahyp="http://schemas.microsoft.com/office/drawing/2018/hyperlinkcolor" val="tx"/>
+                    </a:ext>
+                  </a:extLst>
+                </a:hlinkClick>
               </a:rPr>
               <a:t>ADHEMAR DE CAMPOS</a:t>
             </a:r>
             <a:br>
-              <a:rPr lang="pt-BR" sz="4800" dirty="0"/>
+              <a:rPr lang="pt-BR" dirty="0"/>
             </a:br>
-            <a:r>
-              <a:rPr lang="pt-BR" sz="4800" dirty="0"/>
-              <a:t>AAAAAAAKFFVF</a:t>
-            </a:r>
             <a:endParaRPr lang="pt-BR" sz="4800" b="1" i="0" u="sng" dirty="0">
               <a:solidFill>
                 <a:schemeClr val="bg1"/>
@@ -5916,7 +5916,7 @@
                 </a:solidFill>
                 <a:latin typeface="Arial Black" panose="020B0A04020102020204" pitchFamily="34" charset="0"/>
               </a:rPr>
-              <a:t>EM QUEM TEMOS A VITÓRIA</a:t>
+              <a:t>EM QUEM NÓS TEMOS A VITÓRIA</a:t>
             </a:r>
             <a:br>
               <a:rPr lang="pt-BR" sz="48700" dirty="0">
@@ -6769,8 +6769,8 @@
         </p:nvSpPr>
         <p:spPr>
           <a:xfrm>
-            <a:off x="287383" y="240651"/>
-            <a:ext cx="11403876" cy="6001643"/>
+            <a:off x="1" y="528034"/>
+            <a:ext cx="12192000" cy="6001643"/>
           </a:xfrm>
           <a:prstGeom prst="rect">
             <a:avLst/>
@@ -6790,19 +6790,7 @@
                 </a:solidFill>
                 <a:latin typeface="Arial Black" panose="020B0A04020102020204" pitchFamily="34" charset="0"/>
               </a:rPr>
-              <a:t>GRANDE </a:t>
-            </a:r>
-          </a:p>
-          <a:p>
-            <a:pPr algn="ctr"/>
-            <a:r>
-              <a:rPr lang="pt-BR" sz="9600" dirty="0">
-                <a:solidFill>
-                  <a:schemeClr val="bg1"/>
-                </a:solidFill>
-                <a:latin typeface="Arial Black" panose="020B0A04020102020204" pitchFamily="34" charset="0"/>
-              </a:rPr>
-              <a:t>É O SENHOR</a:t>
+              <a:t>GRANDE É O SENHOR</a:t>
             </a:r>
             <a:br>
               <a:rPr lang="pt-BR" sz="9600" dirty="0">
@@ -7018,8 +7006,8 @@
         </p:nvSpPr>
         <p:spPr>
           <a:xfrm>
-            <a:off x="0" y="223269"/>
-            <a:ext cx="12192000" cy="5999731"/>
+            <a:off x="0" y="218189"/>
+            <a:ext cx="12192000" cy="5803435"/>
           </a:xfrm>
         </p:spPr>
         <p:txBody>
@@ -7065,7 +7053,7 @@
                 </a:solidFill>
                 <a:latin typeface="Arial Black" panose="020B0A04020102020204" pitchFamily="34" charset="0"/>
               </a:rPr>
-              <a:t>EM QUEM TEMOS A VITÓRIA</a:t>
+              <a:t>EM QUEM NÓS TEMOS A VITÓRIA</a:t>
             </a:r>
             <a:br>
               <a:rPr lang="pt-BR" sz="48700" dirty="0">
@@ -7167,8 +7155,8 @@
         </p:nvSpPr>
         <p:spPr>
           <a:xfrm>
-            <a:off x="381000" y="-228600"/>
-            <a:ext cx="11620500" cy="6451599"/>
+            <a:off x="0" y="1609859"/>
+            <a:ext cx="12192000" cy="4360249"/>
           </a:xfrm>
         </p:spPr>
         <p:txBody>
@@ -7183,7 +7171,7 @@
               </a:spcBef>
             </a:pPr>
             <a:r>
-              <a:rPr lang="pt-BR" sz="9600" b="0" dirty="0">
+              <a:rPr lang="pt-BR" sz="8800" b="0" dirty="0">
                 <a:solidFill>
                   <a:schemeClr val="bg1"/>
                 </a:solidFill>
@@ -7192,7 +7180,7 @@
               <a:t>POR ISSO </a:t>
             </a:r>
             <a:br>
-              <a:rPr lang="pt-BR" sz="9600" b="0" dirty="0">
+              <a:rPr lang="pt-BR" sz="8800" b="0" dirty="0">
                 <a:solidFill>
                   <a:schemeClr val="bg1"/>
                 </a:solidFill>
@@ -7200,7 +7188,7 @@
               </a:rPr>
             </a:br>
             <a:r>
-              <a:rPr lang="pt-BR" sz="9600" b="0" dirty="0">
+              <a:rPr lang="pt-BR" sz="8800" b="0" dirty="0">
                 <a:solidFill>
                   <a:schemeClr val="bg1"/>
                 </a:solidFill>
@@ -7209,7 +7197,7 @@
               <a:t>DIANTE DELE</a:t>
             </a:r>
             <a:br>
-              <a:rPr lang="pt-BR" sz="84100" dirty="0">
+              <a:rPr lang="pt-BR" sz="70100" dirty="0">
                 <a:solidFill>
                   <a:schemeClr val="bg1"/>
                 </a:solidFill>
@@ -7217,7 +7205,7 @@
               </a:rPr>
             </a:br>
             <a:r>
-              <a:rPr lang="pt-BR" sz="9600" b="0" dirty="0">
+              <a:rPr lang="pt-BR" sz="8800" b="0" dirty="0">
                 <a:solidFill>
                   <a:schemeClr val="bg1"/>
                 </a:solidFill>
@@ -7226,7 +7214,7 @@
               <a:t>NOS </a:t>
             </a:r>
             <a:br>
-              <a:rPr lang="pt-BR" sz="9600" b="0" dirty="0">
+              <a:rPr lang="pt-BR" sz="8800" b="0" dirty="0">
                 <a:solidFill>
                   <a:schemeClr val="bg1"/>
                 </a:solidFill>
@@ -7234,7 +7222,7 @@
               </a:rPr>
             </a:br>
             <a:r>
-              <a:rPr lang="pt-BR" sz="9600" b="0" dirty="0">
+              <a:rPr lang="pt-BR" sz="8800" b="0" dirty="0">
                 <a:solidFill>
                   <a:schemeClr val="bg1"/>
                 </a:solidFill>
@@ -7614,7 +7602,7 @@
         </p:nvSpPr>
         <p:spPr>
           <a:xfrm>
-            <a:off x="-228599" y="388334"/>
+            <a:off x="1" y="528034"/>
             <a:ext cx="12192000" cy="6001643"/>
           </a:xfrm>
           <a:prstGeom prst="rect">
@@ -7627,7 +7615,7 @@
           </a:bodyPr>
           <a:lstStyle/>
           <a:p>
-            <a:pPr lvl="1" algn="ctr"/>
+            <a:pPr algn="ctr"/>
             <a:r>
               <a:rPr lang="pt-BR" sz="9600" dirty="0">
                 <a:solidFill>
@@ -7635,19 +7623,7 @@
                 </a:solidFill>
                 <a:latin typeface="Arial Black" panose="020B0A04020102020204" pitchFamily="34" charset="0"/>
               </a:rPr>
-              <a:t>GRANDE </a:t>
-            </a:r>
-          </a:p>
-          <a:p>
-            <a:pPr lvl="1" algn="ctr"/>
-            <a:r>
-              <a:rPr lang="pt-BR" sz="9600" dirty="0">
-                <a:solidFill>
-                  <a:schemeClr val="bg1"/>
-                </a:solidFill>
-                <a:latin typeface="Arial Black" panose="020B0A04020102020204" pitchFamily="34" charset="0"/>
-              </a:rPr>
-              <a:t>É O SENHOR</a:t>
+              <a:t>GRANDE É O SENHOR</a:t>
             </a:r>
             <a:br>
               <a:rPr lang="pt-BR" sz="9600" dirty="0">
